--- a/VUE-BASE/vue-base.pptx
+++ b/VUE-BASE/vue-base.pptx
@@ -16,6 +16,8 @@
     <p:sldId id="263" r:id="rId10"/>
     <p:sldId id="265" r:id="rId11"/>
     <p:sldId id="267" r:id="rId12"/>
+    <p:sldId id="269" r:id="rId13"/>
+    <p:sldId id="268" r:id="rId14"/>
   </p:sldIdLst>
   <p:sldSz cx="12192000" cy="6858000"/>
   <p:notesSz cx="6858000" cy="9144000"/>
@@ -122,6 +124,18 @@
 </p:presentation>
 </file>
 
+<file path=ppt/commentAuthors.xml><?xml version="1.0" encoding="utf-8"?>
+<p:cmAuthorLst xmlns:a="http://schemas.openxmlformats.org/drawingml/2006/main" xmlns:r="http://schemas.openxmlformats.org/officeDocument/2006/relationships" xmlns:p="http://schemas.openxmlformats.org/presentationml/2006/main">
+  <p:cmAuthor id="1" name="智遠 成" initials="智遠" lastIdx="1" clrIdx="0">
+    <p:extLst>
+      <p:ext uri="{19B8F6BF-5375-455C-9EA6-DF929625EA0E}">
+        <p15:presenceInfo xmlns:p15="http://schemas.microsoft.com/office/powerpoint/2012/main" userId="fd43e007af542ba5" providerId="Windows Live"/>
+      </p:ext>
+    </p:extLst>
+  </p:cmAuthor>
+</p:cmAuthorLst>
+</file>
+
 <file path=ppt/slideLayouts/slideLayout1.xml><?xml version="1.0" encoding="utf-8"?>
 <p:sldLayout xmlns:a="http://schemas.openxmlformats.org/drawingml/2006/main" xmlns:r="http://schemas.openxmlformats.org/officeDocument/2006/relationships" xmlns:p="http://schemas.openxmlformats.org/presentationml/2006/main" type="title" preserve="1">
   <p:cSld name="標題投影片">
@@ -269,7 +283,7 @@
           <a:p>
             <a:fld id="{55B5673A-2C76-400E-AECF-A7C5CD58B306}" type="datetimeFigureOut">
               <a:rPr lang="zh-TW" altLang="en-US" smtClean="0"/>
-              <a:t>2020/9/29</a:t>
+              <a:t>2020/10/14</a:t>
             </a:fld>
             <a:endParaRPr lang="zh-TW" altLang="en-US"/>
           </a:p>
@@ -467,7 +481,7 @@
           <a:p>
             <a:fld id="{55B5673A-2C76-400E-AECF-A7C5CD58B306}" type="datetimeFigureOut">
               <a:rPr lang="zh-TW" altLang="en-US" smtClean="0"/>
-              <a:t>2020/9/29</a:t>
+              <a:t>2020/10/14</a:t>
             </a:fld>
             <a:endParaRPr lang="zh-TW" altLang="en-US"/>
           </a:p>
@@ -675,7 +689,7 @@
           <a:p>
             <a:fld id="{55B5673A-2C76-400E-AECF-A7C5CD58B306}" type="datetimeFigureOut">
               <a:rPr lang="zh-TW" altLang="en-US" smtClean="0"/>
-              <a:t>2020/9/29</a:t>
+              <a:t>2020/10/14</a:t>
             </a:fld>
             <a:endParaRPr lang="zh-TW" altLang="en-US"/>
           </a:p>
@@ -873,7 +887,7 @@
           <a:p>
             <a:fld id="{55B5673A-2C76-400E-AECF-A7C5CD58B306}" type="datetimeFigureOut">
               <a:rPr lang="zh-TW" altLang="en-US" smtClean="0"/>
-              <a:t>2020/9/29</a:t>
+              <a:t>2020/10/14</a:t>
             </a:fld>
             <a:endParaRPr lang="zh-TW" altLang="en-US"/>
           </a:p>
@@ -1148,7 +1162,7 @@
           <a:p>
             <a:fld id="{55B5673A-2C76-400E-AECF-A7C5CD58B306}" type="datetimeFigureOut">
               <a:rPr lang="zh-TW" altLang="en-US" smtClean="0"/>
-              <a:t>2020/9/29</a:t>
+              <a:t>2020/10/14</a:t>
             </a:fld>
             <a:endParaRPr lang="zh-TW" altLang="en-US"/>
           </a:p>
@@ -1413,7 +1427,7 @@
           <a:p>
             <a:fld id="{55B5673A-2C76-400E-AECF-A7C5CD58B306}" type="datetimeFigureOut">
               <a:rPr lang="zh-TW" altLang="en-US" smtClean="0"/>
-              <a:t>2020/9/29</a:t>
+              <a:t>2020/10/14</a:t>
             </a:fld>
             <a:endParaRPr lang="zh-TW" altLang="en-US"/>
           </a:p>
@@ -1825,7 +1839,7 @@
           <a:p>
             <a:fld id="{55B5673A-2C76-400E-AECF-A7C5CD58B306}" type="datetimeFigureOut">
               <a:rPr lang="zh-TW" altLang="en-US" smtClean="0"/>
-              <a:t>2020/9/29</a:t>
+              <a:t>2020/10/14</a:t>
             </a:fld>
             <a:endParaRPr lang="zh-TW" altLang="en-US"/>
           </a:p>
@@ -1966,7 +1980,7 @@
           <a:p>
             <a:fld id="{55B5673A-2C76-400E-AECF-A7C5CD58B306}" type="datetimeFigureOut">
               <a:rPr lang="zh-TW" altLang="en-US" smtClean="0"/>
-              <a:t>2020/9/29</a:t>
+              <a:t>2020/10/14</a:t>
             </a:fld>
             <a:endParaRPr lang="zh-TW" altLang="en-US"/>
           </a:p>
@@ -2079,7 +2093,7 @@
           <a:p>
             <a:fld id="{55B5673A-2C76-400E-AECF-A7C5CD58B306}" type="datetimeFigureOut">
               <a:rPr lang="zh-TW" altLang="en-US" smtClean="0"/>
-              <a:t>2020/9/29</a:t>
+              <a:t>2020/10/14</a:t>
             </a:fld>
             <a:endParaRPr lang="zh-TW" altLang="en-US"/>
           </a:p>
@@ -2390,7 +2404,7 @@
           <a:p>
             <a:fld id="{55B5673A-2C76-400E-AECF-A7C5CD58B306}" type="datetimeFigureOut">
               <a:rPr lang="zh-TW" altLang="en-US" smtClean="0"/>
-              <a:t>2020/9/29</a:t>
+              <a:t>2020/10/14</a:t>
             </a:fld>
             <a:endParaRPr lang="zh-TW" altLang="en-US"/>
           </a:p>
@@ -2678,7 +2692,7 @@
           <a:p>
             <a:fld id="{55B5673A-2C76-400E-AECF-A7C5CD58B306}" type="datetimeFigureOut">
               <a:rPr lang="zh-TW" altLang="en-US" smtClean="0"/>
-              <a:t>2020/9/29</a:t>
+              <a:t>2020/10/14</a:t>
             </a:fld>
             <a:endParaRPr lang="zh-TW" altLang="en-US"/>
           </a:p>
@@ -2922,7 +2936,7 @@
           <a:p>
             <a:fld id="{55B5673A-2C76-400E-AECF-A7C5CD58B306}" type="datetimeFigureOut">
               <a:rPr lang="zh-TW" altLang="en-US" smtClean="0"/>
-              <a:t>2020/9/29</a:t>
+              <a:t>2020/10/14</a:t>
             </a:fld>
             <a:endParaRPr lang="zh-TW" altLang="en-US"/>
           </a:p>
@@ -4283,6 +4297,394 @@
 </p:sld>
 </file>
 
+<file path=ppt/slides/slide12.xml><?xml version="1.0" encoding="utf-8"?>
+<p:sld xmlns:a="http://schemas.openxmlformats.org/drawingml/2006/main" xmlns:r="http://schemas.openxmlformats.org/officeDocument/2006/relationships" xmlns:p="http://schemas.openxmlformats.org/presentationml/2006/main">
+  <p:cSld>
+    <p:spTree>
+      <p:nvGrpSpPr>
+        <p:cNvPr id="1" name=""/>
+        <p:cNvGrpSpPr/>
+        <p:nvPr/>
+      </p:nvGrpSpPr>
+      <p:grpSpPr>
+        <a:xfrm>
+          <a:off x="0" y="0"/>
+          <a:ext cx="0" cy="0"/>
+          <a:chOff x="0" y="0"/>
+          <a:chExt cx="0" cy="0"/>
+        </a:xfrm>
+      </p:grpSpPr>
+      <p:sp>
+        <p:nvSpPr>
+          <p:cNvPr id="2" name="標題 1">
+            <a:extLst>
+              <a:ext uri="{FF2B5EF4-FFF2-40B4-BE49-F238E27FC236}">
+                <a16:creationId xmlns:a16="http://schemas.microsoft.com/office/drawing/2014/main" id="{70A11147-4E47-4075-A105-082B69AEAC42}"/>
+              </a:ext>
+            </a:extLst>
+          </p:cNvPr>
+          <p:cNvSpPr>
+            <a:spLocks noGrp="1"/>
+          </p:cNvSpPr>
+          <p:nvPr>
+            <p:ph type="title"/>
+          </p:nvPr>
+        </p:nvSpPr>
+        <p:spPr>
+          <a:xfrm>
+            <a:off x="1005273" y="2853315"/>
+            <a:ext cx="8939537" cy="691262"/>
+          </a:xfrm>
+        </p:spPr>
+        <p:txBody>
+          <a:bodyPr>
+            <a:normAutofit/>
+          </a:bodyPr>
+          <a:lstStyle/>
+          <a:p>
+            <a:r>
+              <a:rPr lang="zh-TW" altLang="en-US" sz="3200" b="1" dirty="0">
+                <a:solidFill>
+                  <a:srgbClr val="F8F8F2"/>
+                </a:solidFill>
+                <a:effectLst/>
+                <a:latin typeface="微軟正黑體" panose="020B0604030504040204" pitchFamily="34" charset="-120"/>
+                <a:ea typeface="微軟正黑體" panose="020B0604030504040204" pitchFamily="34" charset="-120"/>
+              </a:rPr>
+              <a:t>事件修飾符 </a:t>
+            </a:r>
+            <a:r>
+              <a:rPr lang="en-US" altLang="zh-TW" sz="3200" b="1" i="0" dirty="0">
+                <a:solidFill>
+                  <a:schemeClr val="bg1"/>
+                </a:solidFill>
+                <a:effectLst/>
+                <a:latin typeface="微軟正黑體" panose="020B0604030504040204" pitchFamily="34" charset="-120"/>
+                <a:ea typeface="微軟正黑體" panose="020B0604030504040204" pitchFamily="34" charset="-120"/>
+              </a:rPr>
+              <a:t>Event Modifiers </a:t>
+            </a:r>
+            <a:endParaRPr lang="zh-TW" altLang="en-US" sz="3200" b="1" dirty="0">
+              <a:solidFill>
+                <a:schemeClr val="bg1"/>
+              </a:solidFill>
+              <a:latin typeface="微軟正黑體" panose="020B0604030504040204" pitchFamily="34" charset="-120"/>
+              <a:ea typeface="微軟正黑體" panose="020B0604030504040204" pitchFamily="34" charset="-120"/>
+            </a:endParaRPr>
+          </a:p>
+        </p:txBody>
+      </p:sp>
+      <p:sp>
+        <p:nvSpPr>
+          <p:cNvPr id="5" name="文字方塊 4">
+            <a:extLst>
+              <a:ext uri="{FF2B5EF4-FFF2-40B4-BE49-F238E27FC236}">
+                <a16:creationId xmlns:a16="http://schemas.microsoft.com/office/drawing/2014/main" id="{8BB785BD-8961-48DD-9807-CA99A9C9DDA8}"/>
+              </a:ext>
+            </a:extLst>
+          </p:cNvPr>
+          <p:cNvSpPr txBox="1"/>
+          <p:nvPr/>
+        </p:nvSpPr>
+        <p:spPr>
+          <a:xfrm>
+            <a:off x="1005273" y="3544577"/>
+            <a:ext cx="10677939" cy="523220"/>
+          </a:xfrm>
+          <a:prstGeom prst="rect">
+            <a:avLst/>
+          </a:prstGeom>
+          <a:noFill/>
+        </p:spPr>
+        <p:txBody>
+          <a:bodyPr wrap="square">
+            <a:spAutoFit/>
+          </a:bodyPr>
+          <a:lstStyle/>
+          <a:p>
+            <a:r>
+              <a:rPr lang="zh-TW" altLang="en-US" sz="2800" dirty="0">
+                <a:hlinkClick r:id="rId2"/>
+              </a:rPr>
+              <a:t>https://v3.vuejs.org/guide/events.html#multiple-event-handlers</a:t>
+            </a:r>
+            <a:endParaRPr lang="en-US" altLang="zh-TW" sz="2800" dirty="0"/>
+          </a:p>
+        </p:txBody>
+      </p:sp>
+    </p:spTree>
+    <p:extLst>
+      <p:ext uri="{BB962C8B-B14F-4D97-AF65-F5344CB8AC3E}">
+        <p14:creationId xmlns:p14="http://schemas.microsoft.com/office/powerpoint/2010/main" val="1111608454"/>
+      </p:ext>
+    </p:extLst>
+  </p:cSld>
+  <p:clrMapOvr>
+    <a:masterClrMapping/>
+  </p:clrMapOvr>
+</p:sld>
+</file>
+
+<file path=ppt/slides/slide13.xml><?xml version="1.0" encoding="utf-8"?>
+<p:sld xmlns:a="http://schemas.openxmlformats.org/drawingml/2006/main" xmlns:r="http://schemas.openxmlformats.org/officeDocument/2006/relationships" xmlns:p="http://schemas.openxmlformats.org/presentationml/2006/main">
+  <p:cSld>
+    <p:spTree>
+      <p:nvGrpSpPr>
+        <p:cNvPr id="1" name=""/>
+        <p:cNvGrpSpPr/>
+        <p:nvPr/>
+      </p:nvGrpSpPr>
+      <p:grpSpPr>
+        <a:xfrm>
+          <a:off x="0" y="0"/>
+          <a:ext cx="0" cy="0"/>
+          <a:chOff x="0" y="0"/>
+          <a:chExt cx="0" cy="0"/>
+        </a:xfrm>
+      </p:grpSpPr>
+      <p:sp>
+        <p:nvSpPr>
+          <p:cNvPr id="2" name="標題 1">
+            <a:extLst>
+              <a:ext uri="{FF2B5EF4-FFF2-40B4-BE49-F238E27FC236}">
+                <a16:creationId xmlns:a16="http://schemas.microsoft.com/office/drawing/2014/main" id="{7B03FB67-E384-4A92-8AA5-993C73C6A628}"/>
+              </a:ext>
+            </a:extLst>
+          </p:cNvPr>
+          <p:cNvSpPr>
+            <a:spLocks noGrp="1"/>
+          </p:cNvSpPr>
+          <p:nvPr>
+            <p:ph type="title"/>
+          </p:nvPr>
+        </p:nvSpPr>
+        <p:spPr>
+          <a:xfrm>
+            <a:off x="545942" y="632062"/>
+            <a:ext cx="2427514" cy="549275"/>
+          </a:xfrm>
+        </p:spPr>
+        <p:txBody>
+          <a:bodyPr>
+            <a:normAutofit/>
+          </a:bodyPr>
+          <a:lstStyle/>
+          <a:p>
+            <a:r>
+              <a:rPr lang="zh-TW" altLang="en-US" sz="2400" dirty="0">
+                <a:solidFill>
+                  <a:schemeClr val="bg1"/>
+                </a:solidFill>
+                <a:latin typeface="微軟正黑體" panose="020B0604030504040204" pitchFamily="34" charset="-120"/>
+                <a:ea typeface="微軟正黑體" panose="020B0604030504040204" pitchFamily="34" charset="-120"/>
+              </a:rPr>
+              <a:t>課程用</a:t>
+            </a:r>
+            <a:r>
+              <a:rPr lang="en-US" altLang="zh-TW" sz="2400" dirty="0">
+                <a:solidFill>
+                  <a:schemeClr val="bg1"/>
+                </a:solidFill>
+                <a:latin typeface="微軟正黑體" panose="020B0604030504040204" pitchFamily="34" charset="-120"/>
+                <a:ea typeface="微軟正黑體" panose="020B0604030504040204" pitchFamily="34" charset="-120"/>
+              </a:rPr>
+              <a:t>API</a:t>
+            </a:r>
+            <a:endParaRPr lang="zh-TW" altLang="en-US" sz="2400" dirty="0">
+              <a:solidFill>
+                <a:schemeClr val="bg1"/>
+              </a:solidFill>
+              <a:latin typeface="微軟正黑體" panose="020B0604030504040204" pitchFamily="34" charset="-120"/>
+              <a:ea typeface="微軟正黑體" panose="020B0604030504040204" pitchFamily="34" charset="-120"/>
+            </a:endParaRPr>
+          </a:p>
+        </p:txBody>
+      </p:sp>
+      <p:sp>
+        <p:nvSpPr>
+          <p:cNvPr id="3" name="內容版面配置區 2">
+            <a:extLst>
+              <a:ext uri="{FF2B5EF4-FFF2-40B4-BE49-F238E27FC236}">
+                <a16:creationId xmlns:a16="http://schemas.microsoft.com/office/drawing/2014/main" id="{6FB7EBD3-4176-4EA9-948B-21B59AB3C36F}"/>
+              </a:ext>
+            </a:extLst>
+          </p:cNvPr>
+          <p:cNvSpPr>
+            <a:spLocks noGrp="1"/>
+          </p:cNvSpPr>
+          <p:nvPr>
+            <p:ph idx="1"/>
+          </p:nvPr>
+        </p:nvSpPr>
+        <p:spPr>
+          <a:xfrm>
+            <a:off x="545941" y="1342868"/>
+            <a:ext cx="11100117" cy="957332"/>
+          </a:xfrm>
+        </p:spPr>
+        <p:txBody>
+          <a:bodyPr>
+            <a:noAutofit/>
+          </a:bodyPr>
+          <a:lstStyle/>
+          <a:p>
+            <a:pPr>
+              <a:lnSpc>
+                <a:spcPct val="150000"/>
+              </a:lnSpc>
+            </a:pPr>
+            <a:r>
+              <a:rPr lang="en-US" altLang="zh-TW" sz="2000" b="0" dirty="0">
+                <a:solidFill>
+                  <a:schemeClr val="bg1"/>
+                </a:solidFill>
+                <a:effectLst/>
+                <a:latin typeface="微軟正黑體" panose="020B0604030504040204" pitchFamily="34" charset="-120"/>
+                <a:ea typeface="微軟正黑體" panose="020B0604030504040204" pitchFamily="34" charset="-120"/>
+              </a:rPr>
+              <a:t>https://vue-lessons-api.herokuapp.com/photo/list</a:t>
+            </a:r>
+            <a:r>
+              <a:rPr lang="zh-TW" altLang="en-US" sz="2000" b="1" dirty="0">
+                <a:solidFill>
+                  <a:schemeClr val="bg1"/>
+                </a:solidFill>
+                <a:effectLst/>
+                <a:latin typeface="微軟正黑體" panose="020B0604030504040204" pitchFamily="34" charset="-120"/>
+                <a:ea typeface="微軟正黑體" panose="020B0604030504040204" pitchFamily="34" charset="-120"/>
+              </a:rPr>
+              <a:t>  </a:t>
+            </a:r>
+            <a:r>
+              <a:rPr lang="en-US" altLang="zh-TW" sz="2000" b="1" dirty="0">
+                <a:solidFill>
+                  <a:schemeClr val="bg1"/>
+                </a:solidFill>
+                <a:effectLst/>
+                <a:latin typeface="微軟正黑體" panose="020B0604030504040204" pitchFamily="34" charset="-120"/>
+                <a:ea typeface="微軟正黑體" panose="020B0604030504040204" pitchFamily="34" charset="-120"/>
+              </a:rPr>
+              <a:t>(</a:t>
+            </a:r>
+            <a:r>
+              <a:rPr lang="zh-TW" altLang="en-US" sz="2000" b="1" dirty="0">
+                <a:solidFill>
+                  <a:schemeClr val="bg1"/>
+                </a:solidFill>
+                <a:effectLst/>
+                <a:latin typeface="微軟正黑體" panose="020B0604030504040204" pitchFamily="34" charset="-120"/>
+                <a:ea typeface="微軟正黑體" panose="020B0604030504040204" pitchFamily="34" charset="-120"/>
+              </a:rPr>
+              <a:t>圖片列表</a:t>
+            </a:r>
+            <a:r>
+              <a:rPr lang="en-US" altLang="zh-TW" sz="2000" b="1" dirty="0">
+                <a:solidFill>
+                  <a:schemeClr val="bg1"/>
+                </a:solidFill>
+                <a:effectLst/>
+                <a:latin typeface="微軟正黑體" panose="020B0604030504040204" pitchFamily="34" charset="-120"/>
+                <a:ea typeface="微軟正黑體" panose="020B0604030504040204" pitchFamily="34" charset="-120"/>
+              </a:rPr>
+              <a:t>)</a:t>
+            </a:r>
+          </a:p>
+          <a:p>
+            <a:pPr>
+              <a:lnSpc>
+                <a:spcPct val="150000"/>
+              </a:lnSpc>
+            </a:pPr>
+            <a:r>
+              <a:rPr lang="en-US" altLang="zh-TW" sz="2000" b="0" dirty="0">
+                <a:solidFill>
+                  <a:schemeClr val="bg1"/>
+                </a:solidFill>
+                <a:effectLst/>
+                <a:latin typeface="微軟正黑體" panose="020B0604030504040204" pitchFamily="34" charset="-120"/>
+                <a:ea typeface="微軟正黑體" panose="020B0604030504040204" pitchFamily="34" charset="-120"/>
+              </a:rPr>
+              <a:t>https://vue-lessons-api.herokuapp.com/dom/content</a:t>
+            </a:r>
+            <a:r>
+              <a:rPr lang="zh-TW" altLang="en-US" sz="2000" b="0" dirty="0">
+                <a:solidFill>
+                  <a:schemeClr val="bg1"/>
+                </a:solidFill>
+                <a:effectLst/>
+                <a:latin typeface="微軟正黑體" panose="020B0604030504040204" pitchFamily="34" charset="-120"/>
+                <a:ea typeface="微軟正黑體" panose="020B0604030504040204" pitchFamily="34" charset="-120"/>
+              </a:rPr>
+              <a:t> </a:t>
+            </a:r>
+            <a:r>
+              <a:rPr lang="zh-TW" altLang="en-US" sz="2000" b="1" dirty="0">
+                <a:solidFill>
+                  <a:schemeClr val="bg1"/>
+                </a:solidFill>
+                <a:effectLst/>
+                <a:latin typeface="微軟正黑體" panose="020B0604030504040204" pitchFamily="34" charset="-120"/>
+                <a:ea typeface="微軟正黑體" panose="020B0604030504040204" pitchFamily="34" charset="-120"/>
+              </a:rPr>
+              <a:t> </a:t>
+            </a:r>
+            <a:r>
+              <a:rPr lang="en-US" altLang="zh-TW" sz="2000" b="1" dirty="0">
+                <a:solidFill>
+                  <a:schemeClr val="bg1"/>
+                </a:solidFill>
+                <a:effectLst/>
+                <a:latin typeface="微軟正黑體" panose="020B0604030504040204" pitchFamily="34" charset="-120"/>
+                <a:ea typeface="微軟正黑體" panose="020B0604030504040204" pitchFamily="34" charset="-120"/>
+              </a:rPr>
+              <a:t>(html</a:t>
+            </a:r>
+            <a:r>
+              <a:rPr lang="zh-TW" altLang="en-US" sz="2000" b="1" dirty="0">
+                <a:solidFill>
+                  <a:schemeClr val="bg1"/>
+                </a:solidFill>
+                <a:effectLst/>
+                <a:latin typeface="微軟正黑體" panose="020B0604030504040204" pitchFamily="34" charset="-120"/>
+                <a:ea typeface="微軟正黑體" panose="020B0604030504040204" pitchFamily="34" charset="-120"/>
+              </a:rPr>
+              <a:t>字串</a:t>
+            </a:r>
+            <a:r>
+              <a:rPr lang="en-US" altLang="zh-TW" sz="2000" b="1" dirty="0">
+                <a:solidFill>
+                  <a:schemeClr val="bg1"/>
+                </a:solidFill>
+                <a:effectLst/>
+                <a:latin typeface="微軟正黑體" panose="020B0604030504040204" pitchFamily="34" charset="-120"/>
+                <a:ea typeface="微軟正黑體" panose="020B0604030504040204" pitchFamily="34" charset="-120"/>
+              </a:rPr>
+              <a:t>)</a:t>
+            </a:r>
+            <a:endParaRPr lang="en-US" altLang="zh-TW" sz="2000" b="0" dirty="0">
+              <a:solidFill>
+                <a:schemeClr val="bg1"/>
+              </a:solidFill>
+              <a:effectLst/>
+              <a:latin typeface="微軟正黑體" panose="020B0604030504040204" pitchFamily="34" charset="-120"/>
+              <a:ea typeface="微軟正黑體" panose="020B0604030504040204" pitchFamily="34" charset="-120"/>
+            </a:endParaRPr>
+          </a:p>
+        </p:txBody>
+      </p:sp>
+    </p:spTree>
+    <p:extLst>
+      <p:ext uri="{BB962C8B-B14F-4D97-AF65-F5344CB8AC3E}">
+        <p14:creationId xmlns:p14="http://schemas.microsoft.com/office/powerpoint/2010/main" val="2325461017"/>
+      </p:ext>
+    </p:extLst>
+  </p:cSld>
+  <p:clrMapOvr>
+    <a:masterClrMapping/>
+  </p:clrMapOvr>
+</p:sld>
+</file>
+
 <file path=ppt/slides/slide2.xml><?xml version="1.0" encoding="utf-8"?>
 <p:sld xmlns:a="http://schemas.openxmlformats.org/drawingml/2006/main" xmlns:r="http://schemas.openxmlformats.org/officeDocument/2006/relationships" xmlns:p="http://schemas.openxmlformats.org/presentationml/2006/main">
   <p:cSld>
